--- a/Anagram.pptx
+++ b/Anagram.pptx
@@ -5536,6 +5536,18 @@
   <p:clrMapOvr>
     <a:masterClrMapping/>
   </p:clrMapOvr>
+  <mc:AlternateContent xmlns:mc="http://schemas.openxmlformats.org/markup-compatibility/2006" xmlns:p14="http://schemas.microsoft.com/office/powerpoint/2010/main">
+    <mc:Choice Requires="p14">
+      <p:transition p14:dur="100">
+        <p:cut/>
+      </p:transition>
+    </mc:Choice>
+    <mc:Fallback xmlns="">
+      <p:transition>
+        <p:cut/>
+      </p:transition>
+    </mc:Fallback>
+  </mc:AlternateContent>
   <p:timing>
     <p:tnLst>
       <p:par>
@@ -5575,7 +5587,7 @@
         </p:nvSpPr>
         <p:spPr>
           <a:xfrm>
-            <a:off x="1230595" y="341833"/>
+            <a:off x="1230594" y="391902"/>
             <a:ext cx="8527218" cy="1262258"/>
           </a:xfrm>
         </p:spPr>
@@ -5620,7 +5632,7 @@
         </p:blipFill>
         <p:spPr>
           <a:xfrm>
-            <a:off x="2429538" y="2110069"/>
+            <a:off x="2018696" y="2195527"/>
             <a:ext cx="6951015" cy="3511745"/>
           </a:xfrm>
         </p:spPr>
@@ -5647,7 +5659,7 @@
         </p:blipFill>
         <p:spPr>
           <a:xfrm>
-            <a:off x="9112778" y="3098800"/>
+            <a:off x="8768535" y="3466269"/>
             <a:ext cx="1978555" cy="2110459"/>
           </a:xfrm>
           <a:prstGeom prst="rect">
@@ -5711,9 +5723,22 @@
             <a:off x="378883" y="461962"/>
             <a:ext cx="8720584" cy="4651904"/>
           </a:xfrm>
-          <a:prstGeom prst="rect">
-            <a:avLst/>
+          <a:prstGeom prst="roundRect">
+            <a:avLst>
+              <a:gd name="adj" fmla="val 8594"/>
+            </a:avLst>
           </a:prstGeom>
+          <a:solidFill>
+            <a:srgbClr val="FFFFFF">
+              <a:shade val="85000"/>
+            </a:srgbClr>
+          </a:solidFill>
+          <a:ln>
+            <a:noFill/>
+          </a:ln>
+          <a:effectLst>
+            <a:reflection blurRad="12700" stA="38000" endPos="28000" dist="5000" dir="5400000" sy="-100000" algn="bl" rotWithShape="0"/>
+          </a:effectLst>
         </p:spPr>
       </p:pic>
       <p:pic>
@@ -5805,12 +5830,25 @@
         </p:blipFill>
         <p:spPr>
           <a:xfrm>
-            <a:off x="9173358" y="3932493"/>
+            <a:off x="9226521" y="4017951"/>
             <a:ext cx="2413550" cy="2413550"/>
           </a:xfrm>
-          <a:prstGeom prst="rect">
-            <a:avLst/>
+          <a:prstGeom prst="roundRect">
+            <a:avLst>
+              <a:gd name="adj" fmla="val 8594"/>
+            </a:avLst>
           </a:prstGeom>
+          <a:solidFill>
+            <a:srgbClr val="FFFFFF">
+              <a:shade val="85000"/>
+            </a:srgbClr>
+          </a:solidFill>
+          <a:ln>
+            <a:noFill/>
+          </a:ln>
+          <a:effectLst>
+            <a:reflection blurRad="12700" stA="38000" endPos="28000" dist="5000" dir="5400000" sy="-100000" algn="bl" rotWithShape="0"/>
+          </a:effectLst>
         </p:spPr>
       </p:pic>
       <p:pic>
@@ -5835,12 +5873,25 @@
         </p:blipFill>
         <p:spPr>
           <a:xfrm>
-            <a:off x="483546" y="410457"/>
+            <a:off x="517728" y="1008662"/>
             <a:ext cx="2772162" cy="2514951"/>
           </a:xfrm>
-          <a:prstGeom prst="rect">
-            <a:avLst/>
+          <a:prstGeom prst="roundRect">
+            <a:avLst>
+              <a:gd name="adj" fmla="val 8594"/>
+            </a:avLst>
           </a:prstGeom>
+          <a:solidFill>
+            <a:srgbClr val="FFFFFF">
+              <a:shade val="85000"/>
+            </a:srgbClr>
+          </a:solidFill>
+          <a:ln>
+            <a:noFill/>
+          </a:ln>
+          <a:effectLst>
+            <a:reflection blurRad="12700" stA="38000" endPos="28000" dist="5000" dir="5400000" sy="-100000" algn="bl" rotWithShape="0"/>
+          </a:effectLst>
         </p:spPr>
       </p:pic>
       <p:pic>
@@ -5865,12 +5916,25 @@
         </p:blipFill>
         <p:spPr>
           <a:xfrm>
-            <a:off x="3922290" y="2202084"/>
+            <a:off x="4195755" y="2543915"/>
             <a:ext cx="4124901" cy="2200582"/>
           </a:xfrm>
-          <a:prstGeom prst="rect">
-            <a:avLst/>
+          <a:prstGeom prst="roundRect">
+            <a:avLst>
+              <a:gd name="adj" fmla="val 8594"/>
+            </a:avLst>
           </a:prstGeom>
+          <a:solidFill>
+            <a:srgbClr val="FFFFFF">
+              <a:shade val="85000"/>
+            </a:srgbClr>
+          </a:solidFill>
+          <a:ln>
+            <a:noFill/>
+          </a:ln>
+          <a:effectLst>
+            <a:reflection blurRad="12700" stA="38000" endPos="28000" dist="5000" dir="5400000" sy="-100000" algn="bl" rotWithShape="0"/>
+          </a:effectLst>
         </p:spPr>
       </p:pic>
     </p:spTree>
@@ -5942,6 +6006,7 @@
                 <a:solidFill>
                   <a:schemeClr val="tx1"/>
                 </a:solidFill>
+                <a:latin typeface="Arial Black" panose="020B0A04020102020204" pitchFamily="34" charset="0"/>
               </a:rPr>
               <a:t>isAnagram</a:t>
             </a:r>
@@ -5950,6 +6015,7 @@
                 <a:solidFill>
                   <a:schemeClr val="tx1"/>
                 </a:solidFill>
+                <a:latin typeface="Arial Black" panose="020B0A04020102020204" pitchFamily="34" charset="0"/>
               </a:rPr>
               <a:t> method is the key </a:t>
             </a:r>
@@ -5958,6 +6024,7 @@
                 <a:solidFill>
                   <a:schemeClr val="tx1"/>
                 </a:solidFill>
+                <a:latin typeface="Arial Black" panose="020B0A04020102020204" pitchFamily="34" charset="0"/>
               </a:rPr>
               <a:t>method </a:t>
             </a:r>
@@ -5966,6 +6033,7 @@
                 <a:solidFill>
                   <a:schemeClr val="tx1"/>
                 </a:solidFill>
+                <a:latin typeface="Arial Black" panose="020B0A04020102020204" pitchFamily="34" charset="0"/>
               </a:rPr>
               <a:t>of the </a:t>
             </a:r>
@@ -5974,6 +6042,7 @@
                 <a:solidFill>
                   <a:schemeClr val="tx1"/>
                 </a:solidFill>
+                <a:latin typeface="Arial Black" panose="020B0A04020102020204" pitchFamily="34" charset="0"/>
               </a:rPr>
               <a:t>class, that </a:t>
             </a:r>
@@ -5982,6 +6051,7 @@
                 <a:solidFill>
                   <a:schemeClr val="tx1"/>
                 </a:solidFill>
+                <a:latin typeface="Arial Black" panose="020B0A04020102020204" pitchFamily="34" charset="0"/>
               </a:rPr>
               <a:t>works as follows:</a:t>
             </a:r>
@@ -5989,6 +6059,7 @@
               <a:solidFill>
                 <a:schemeClr val="tx1"/>
               </a:solidFill>
+              <a:latin typeface="Arial Black" panose="020B0A04020102020204" pitchFamily="34" charset="0"/>
             </a:endParaRPr>
           </a:p>
           <a:p>
@@ -6002,6 +6073,7 @@
                 <a:solidFill>
                   <a:schemeClr val="tx1"/>
                 </a:solidFill>
+                <a:latin typeface="Arial Black" panose="020B0A04020102020204" pitchFamily="34" charset="0"/>
               </a:rPr>
               <a:t>isAnagram</a:t>
             </a:r>
@@ -6010,6 +6082,7 @@
                 <a:solidFill>
                   <a:schemeClr val="tx1"/>
                 </a:solidFill>
+                <a:latin typeface="Arial Black" panose="020B0A04020102020204" pitchFamily="34" charset="0"/>
               </a:rPr>
               <a:t>(</a:t>
             </a:r>
@@ -6018,6 +6091,7 @@
                 <a:solidFill>
                   <a:schemeClr val="tx1"/>
                 </a:solidFill>
+                <a:latin typeface="Arial Black" panose="020B0A04020102020204" pitchFamily="34" charset="0"/>
               </a:rPr>
               <a:t>«</a:t>
             </a:r>
@@ -6026,6 +6100,7 @@
                 <a:solidFill>
                   <a:schemeClr val="tx1"/>
                 </a:solidFill>
+                <a:latin typeface="Arial Black" panose="020B0A04020102020204" pitchFamily="34" charset="0"/>
               </a:rPr>
               <a:t>Listen</a:t>
             </a:r>
@@ -6034,6 +6109,7 @@
                 <a:solidFill>
                   <a:schemeClr val="tx1"/>
                 </a:solidFill>
+                <a:latin typeface="Arial Black" panose="020B0A04020102020204" pitchFamily="34" charset="0"/>
               </a:rPr>
               <a:t>»</a:t>
             </a:r>
@@ -6042,6 +6118,7 @@
                 <a:solidFill>
                   <a:schemeClr val="tx1"/>
                 </a:solidFill>
+                <a:latin typeface="Arial Black" panose="020B0A04020102020204" pitchFamily="34" charset="0"/>
               </a:rPr>
               <a:t>, </a:t>
             </a:r>
@@ -6050,6 +6127,7 @@
                 <a:solidFill>
                   <a:schemeClr val="tx1"/>
                 </a:solidFill>
+                <a:latin typeface="Arial Black" panose="020B0A04020102020204" pitchFamily="34" charset="0"/>
               </a:rPr>
               <a:t>«</a:t>
             </a:r>
@@ -6058,6 +6136,7 @@
                 <a:solidFill>
                   <a:schemeClr val="tx1"/>
                 </a:solidFill>
+                <a:latin typeface="Arial Black" panose="020B0A04020102020204" pitchFamily="34" charset="0"/>
               </a:rPr>
               <a:t>Silent</a:t>
             </a:r>
@@ -6066,6 +6145,7 @@
                 <a:solidFill>
                   <a:schemeClr val="tx1"/>
                 </a:solidFill>
+                <a:latin typeface="Arial Black" panose="020B0A04020102020204" pitchFamily="34" charset="0"/>
               </a:rPr>
               <a:t>»</a:t>
             </a:r>
@@ -6074,6 +6154,7 @@
                 <a:solidFill>
                   <a:schemeClr val="tx1"/>
                 </a:solidFill>
+                <a:latin typeface="Arial Black" panose="020B0A04020102020204" pitchFamily="34" charset="0"/>
               </a:rPr>
               <a:t>) - ?</a:t>
             </a:r>
@@ -6088,6 +6169,7 @@
               <a:solidFill>
                 <a:schemeClr val="tx1"/>
               </a:solidFill>
+              <a:latin typeface="Arial Black" panose="020B0A04020102020204" pitchFamily="34" charset="0"/>
             </a:endParaRPr>
           </a:p>
           <a:p>
@@ -6097,6 +6179,7 @@
                 <a:solidFill>
                   <a:schemeClr val="tx1"/>
                 </a:solidFill>
+                <a:latin typeface="Arial Black" panose="020B0A04020102020204" pitchFamily="34" charset="0"/>
               </a:rPr>
               <a:t>«</a:t>
             </a:r>
@@ -6105,6 +6188,7 @@
                 <a:solidFill>
                   <a:schemeClr val="tx1"/>
                 </a:solidFill>
+                <a:latin typeface="Arial Black" panose="020B0A04020102020204" pitchFamily="34" charset="0"/>
               </a:rPr>
               <a:t>Listen</a:t>
             </a:r>
@@ -6113,6 +6197,7 @@
                 <a:solidFill>
                   <a:schemeClr val="tx1"/>
                 </a:solidFill>
+                <a:latin typeface="Arial Black" panose="020B0A04020102020204" pitchFamily="34" charset="0"/>
               </a:rPr>
               <a:t>» </a:t>
             </a:r>
@@ -6121,6 +6206,7 @@
                 <a:solidFill>
                   <a:schemeClr val="tx1"/>
                 </a:solidFill>
+                <a:latin typeface="Arial Black" panose="020B0A04020102020204" pitchFamily="34" charset="0"/>
               </a:rPr>
               <a:t>≠</a:t>
             </a:r>
@@ -6129,6 +6215,7 @@
                 <a:solidFill>
                   <a:schemeClr val="tx1"/>
                 </a:solidFill>
+                <a:latin typeface="Arial Black" panose="020B0A04020102020204" pitchFamily="34" charset="0"/>
               </a:rPr>
               <a:t> «</a:t>
             </a:r>
@@ -6137,6 +6224,7 @@
                 <a:solidFill>
                   <a:schemeClr val="tx1"/>
                 </a:solidFill>
+                <a:latin typeface="Arial Black" panose="020B0A04020102020204" pitchFamily="34" charset="0"/>
               </a:rPr>
               <a:t>Silent</a:t>
             </a:r>
@@ -6145,6 +6233,7 @@
                 <a:solidFill>
                   <a:schemeClr val="tx1"/>
                 </a:solidFill>
+                <a:latin typeface="Arial Black" panose="020B0A04020102020204" pitchFamily="34" charset="0"/>
               </a:rPr>
               <a:t>»</a:t>
             </a:r>
@@ -6155,6 +6244,7 @@
               <a:solidFill>
                 <a:schemeClr val="tx1"/>
               </a:solidFill>
+              <a:latin typeface="Arial Black" panose="020B0A04020102020204" pitchFamily="34" charset="0"/>
             </a:endParaRPr>
           </a:p>
           <a:p>
@@ -6163,6 +6253,7 @@
               <a:solidFill>
                 <a:schemeClr val="tx1"/>
               </a:solidFill>
+              <a:latin typeface="Arial Black" panose="020B0A04020102020204" pitchFamily="34" charset="0"/>
             </a:endParaRPr>
           </a:p>
           <a:p>
@@ -6172,6 +6263,7 @@
                 <a:solidFill>
                   <a:schemeClr val="tx1"/>
                 </a:solidFill>
+                <a:latin typeface="Arial Black" panose="020B0A04020102020204" pitchFamily="34" charset="0"/>
               </a:rPr>
               <a:t>{[</a:t>
             </a:r>
@@ -6180,6 +6272,7 @@
                 <a:solidFill>
                   <a:schemeClr val="tx1"/>
                 </a:solidFill>
+                <a:latin typeface="Arial Black" panose="020B0A04020102020204" pitchFamily="34" charset="0"/>
               </a:rPr>
               <a:t>L</a:t>
             </a:r>
@@ -6188,6 +6281,7 @@
                 <a:solidFill>
                   <a:schemeClr val="tx1"/>
                 </a:solidFill>
+                <a:latin typeface="Arial Black" panose="020B0A04020102020204" pitchFamily="34" charset="0"/>
               </a:rPr>
               <a:t>]</a:t>
             </a:r>
@@ -6196,6 +6290,7 @@
                 <a:solidFill>
                   <a:schemeClr val="tx1"/>
                 </a:solidFill>
+                <a:latin typeface="Arial Black" panose="020B0A04020102020204" pitchFamily="34" charset="0"/>
               </a:rPr>
               <a:t>, </a:t>
             </a:r>
@@ -6204,6 +6299,7 @@
                 <a:solidFill>
                   <a:schemeClr val="tx1"/>
                 </a:solidFill>
+                <a:latin typeface="Arial Black" panose="020B0A04020102020204" pitchFamily="34" charset="0"/>
               </a:rPr>
               <a:t>[</a:t>
             </a:r>
@@ -6212,6 +6308,7 @@
                 <a:solidFill>
                   <a:schemeClr val="tx1"/>
                 </a:solidFill>
+                <a:latin typeface="Arial Black" panose="020B0A04020102020204" pitchFamily="34" charset="0"/>
               </a:rPr>
               <a:t>i</a:t>
             </a:r>
@@ -6220,6 +6317,7 @@
                 <a:solidFill>
                   <a:schemeClr val="tx1"/>
                 </a:solidFill>
+                <a:latin typeface="Arial Black" panose="020B0A04020102020204" pitchFamily="34" charset="0"/>
               </a:rPr>
               <a:t>]</a:t>
             </a:r>
@@ -6228,6 +6326,7 @@
                 <a:solidFill>
                   <a:schemeClr val="tx1"/>
                 </a:solidFill>
+                <a:latin typeface="Arial Black" panose="020B0A04020102020204" pitchFamily="34" charset="0"/>
               </a:rPr>
               <a:t>, </a:t>
             </a:r>
@@ -6236,6 +6335,7 @@
                 <a:solidFill>
                   <a:schemeClr val="tx1"/>
                 </a:solidFill>
+                <a:latin typeface="Arial Black" panose="020B0A04020102020204" pitchFamily="34" charset="0"/>
               </a:rPr>
               <a:t>[S], [T]</a:t>
             </a:r>
@@ -6244,6 +6344,7 @@
                 <a:solidFill>
                   <a:schemeClr val="tx1"/>
                 </a:solidFill>
+                <a:latin typeface="Arial Black" panose="020B0A04020102020204" pitchFamily="34" charset="0"/>
               </a:rPr>
               <a:t>, </a:t>
             </a:r>
@@ -6252,6 +6353,7 @@
                 <a:solidFill>
                   <a:schemeClr val="tx1"/>
                 </a:solidFill>
+                <a:latin typeface="Arial Black" panose="020B0A04020102020204" pitchFamily="34" charset="0"/>
               </a:rPr>
               <a:t>[E]</a:t>
             </a:r>
@@ -6260,6 +6362,7 @@
                 <a:solidFill>
                   <a:schemeClr val="tx1"/>
                 </a:solidFill>
+                <a:latin typeface="Arial Black" panose="020B0A04020102020204" pitchFamily="34" charset="0"/>
               </a:rPr>
               <a:t>, </a:t>
             </a:r>
@@ -6268,6 +6371,7 @@
                 <a:solidFill>
                   <a:schemeClr val="tx1"/>
                 </a:solidFill>
+                <a:latin typeface="Arial Black" panose="020B0A04020102020204" pitchFamily="34" charset="0"/>
               </a:rPr>
               <a:t>[N] }</a:t>
             </a:r>
@@ -6276,6 +6380,7 @@
                 <a:solidFill>
                   <a:schemeClr val="tx1"/>
                 </a:solidFill>
+                <a:latin typeface="Arial Black" panose="020B0A04020102020204" pitchFamily="34" charset="0"/>
               </a:rPr>
               <a:t>  ≠  </a:t>
             </a:r>
@@ -6284,6 +6389,7 @@
                 <a:solidFill>
                   <a:schemeClr val="tx1"/>
                 </a:solidFill>
+                <a:latin typeface="Arial Black" panose="020B0A04020102020204" pitchFamily="34" charset="0"/>
               </a:rPr>
               <a:t>{[</a:t>
             </a:r>
@@ -6292,6 +6398,7 @@
                 <a:solidFill>
                   <a:schemeClr val="tx1"/>
                 </a:solidFill>
+                <a:latin typeface="Arial Black" panose="020B0A04020102020204" pitchFamily="34" charset="0"/>
               </a:rPr>
               <a:t>S</a:t>
             </a:r>
@@ -6300,6 +6407,7 @@
                 <a:solidFill>
                   <a:schemeClr val="tx1"/>
                 </a:solidFill>
+                <a:latin typeface="Arial Black" panose="020B0A04020102020204" pitchFamily="34" charset="0"/>
               </a:rPr>
               <a:t>], [I], [L], [E], [N], [T]}</a:t>
             </a:r>
@@ -6307,6 +6415,7 @@
               <a:solidFill>
                 <a:schemeClr val="tx1"/>
               </a:solidFill>
+              <a:latin typeface="Arial Black" panose="020B0A04020102020204" pitchFamily="34" charset="0"/>
             </a:endParaRPr>
           </a:p>
           <a:p>
@@ -6315,6 +6424,7 @@
               <a:solidFill>
                 <a:schemeClr val="tx1"/>
               </a:solidFill>
+              <a:latin typeface="Arial Black" panose="020B0A04020102020204" pitchFamily="34" charset="0"/>
             </a:endParaRPr>
           </a:p>
           <a:p>
@@ -6323,6 +6433,7 @@
               <a:solidFill>
                 <a:schemeClr val="tx1"/>
               </a:solidFill>
+              <a:latin typeface="Arial Black" panose="020B0A04020102020204" pitchFamily="34" charset="0"/>
             </a:endParaRPr>
           </a:p>
           <a:p>
@@ -6332,6 +6443,7 @@
                 <a:solidFill>
                   <a:schemeClr val="tx1"/>
                 </a:solidFill>
+                <a:latin typeface="Arial Black" panose="020B0A04020102020204" pitchFamily="34" charset="0"/>
               </a:rPr>
               <a:t>{[E]</a:t>
             </a:r>
@@ -6340,6 +6452,7 @@
                 <a:solidFill>
                   <a:schemeClr val="tx1"/>
                 </a:solidFill>
+                <a:latin typeface="Arial Black" panose="020B0A04020102020204" pitchFamily="34" charset="0"/>
               </a:rPr>
               <a:t>, </a:t>
             </a:r>
@@ -6348,6 +6461,7 @@
                 <a:solidFill>
                   <a:schemeClr val="tx1"/>
                 </a:solidFill>
+                <a:latin typeface="Arial Black" panose="020B0A04020102020204" pitchFamily="34" charset="0"/>
               </a:rPr>
               <a:t>[I]</a:t>
             </a:r>
@@ -6356,6 +6470,7 @@
                 <a:solidFill>
                   <a:schemeClr val="tx1"/>
                 </a:solidFill>
+                <a:latin typeface="Arial Black" panose="020B0A04020102020204" pitchFamily="34" charset="0"/>
               </a:rPr>
               <a:t>, </a:t>
             </a:r>
@@ -6364,6 +6479,7 @@
                 <a:solidFill>
                   <a:schemeClr val="tx1"/>
                 </a:solidFill>
+                <a:latin typeface="Arial Black" panose="020B0A04020102020204" pitchFamily="34" charset="0"/>
               </a:rPr>
               <a:t>[L], [N]</a:t>
             </a:r>
@@ -6372,6 +6488,7 @@
                 <a:solidFill>
                   <a:schemeClr val="tx1"/>
                 </a:solidFill>
+                <a:latin typeface="Arial Black" panose="020B0A04020102020204" pitchFamily="34" charset="0"/>
               </a:rPr>
               <a:t>, </a:t>
             </a:r>
@@ -6380,6 +6497,7 @@
                 <a:solidFill>
                   <a:schemeClr val="tx1"/>
                 </a:solidFill>
+                <a:latin typeface="Arial Black" panose="020B0A04020102020204" pitchFamily="34" charset="0"/>
               </a:rPr>
               <a:t>[T]</a:t>
             </a:r>
@@ -6388,6 +6506,7 @@
                 <a:solidFill>
                   <a:schemeClr val="tx1"/>
                 </a:solidFill>
+                <a:latin typeface="Arial Black" panose="020B0A04020102020204" pitchFamily="34" charset="0"/>
               </a:rPr>
               <a:t>, </a:t>
             </a:r>
@@ -6396,6 +6515,7 @@
                 <a:solidFill>
                   <a:schemeClr val="tx1"/>
                 </a:solidFill>
+                <a:latin typeface="Arial Black" panose="020B0A04020102020204" pitchFamily="34" charset="0"/>
               </a:rPr>
               <a:t>[S]}</a:t>
             </a:r>
@@ -6404,6 +6524,7 @@
                 <a:solidFill>
                   <a:schemeClr val="tx1"/>
                 </a:solidFill>
+                <a:latin typeface="Arial Black" panose="020B0A04020102020204" pitchFamily="34" charset="0"/>
               </a:rPr>
               <a:t>  =  </a:t>
             </a:r>
@@ -6412,6 +6533,7 @@
                 <a:solidFill>
                   <a:schemeClr val="tx1"/>
                 </a:solidFill>
+                <a:latin typeface="Arial Black" panose="020B0A04020102020204" pitchFamily="34" charset="0"/>
               </a:rPr>
               <a:t>{[</a:t>
             </a:r>
@@ -6420,6 +6542,7 @@
                 <a:solidFill>
                   <a:schemeClr val="tx1"/>
                 </a:solidFill>
+                <a:latin typeface="Arial Black" panose="020B0A04020102020204" pitchFamily="34" charset="0"/>
               </a:rPr>
               <a:t>E]</a:t>
             </a:r>
@@ -6428,6 +6551,7 @@
                 <a:solidFill>
                   <a:schemeClr val="tx1"/>
                 </a:solidFill>
+                <a:latin typeface="Arial Black" panose="020B0A04020102020204" pitchFamily="34" charset="0"/>
               </a:rPr>
               <a:t>, </a:t>
             </a:r>
@@ -6436,6 +6560,7 @@
                 <a:solidFill>
                   <a:schemeClr val="tx1"/>
                 </a:solidFill>
+                <a:latin typeface="Arial Black" panose="020B0A04020102020204" pitchFamily="34" charset="0"/>
               </a:rPr>
               <a:t>[I]</a:t>
             </a:r>
@@ -6444,6 +6569,7 @@
                 <a:solidFill>
                   <a:schemeClr val="tx1"/>
                 </a:solidFill>
+                <a:latin typeface="Arial Black" panose="020B0A04020102020204" pitchFamily="34" charset="0"/>
               </a:rPr>
               <a:t>, </a:t>
             </a:r>
@@ -6452,6 +6578,7 @@
                 <a:solidFill>
                   <a:schemeClr val="tx1"/>
                 </a:solidFill>
+                <a:latin typeface="Arial Black" panose="020B0A04020102020204" pitchFamily="34" charset="0"/>
               </a:rPr>
               <a:t>[L], [N]</a:t>
             </a:r>
@@ -6460,6 +6587,7 @@
                 <a:solidFill>
                   <a:schemeClr val="tx1"/>
                 </a:solidFill>
+                <a:latin typeface="Arial Black" panose="020B0A04020102020204" pitchFamily="34" charset="0"/>
               </a:rPr>
               <a:t>, </a:t>
             </a:r>
@@ -6468,6 +6596,7 @@
                 <a:solidFill>
                   <a:schemeClr val="tx1"/>
                 </a:solidFill>
+                <a:latin typeface="Arial Black" panose="020B0A04020102020204" pitchFamily="34" charset="0"/>
               </a:rPr>
               <a:t>[T]</a:t>
             </a:r>
@@ -6476,6 +6605,7 @@
                 <a:solidFill>
                   <a:schemeClr val="tx1"/>
                 </a:solidFill>
+                <a:latin typeface="Arial Black" panose="020B0A04020102020204" pitchFamily="34" charset="0"/>
               </a:rPr>
               <a:t>, </a:t>
             </a:r>
@@ -6484,6 +6614,7 @@
                 <a:solidFill>
                   <a:schemeClr val="tx1"/>
                 </a:solidFill>
+                <a:latin typeface="Arial Black" panose="020B0A04020102020204" pitchFamily="34" charset="0"/>
               </a:rPr>
               <a:t>[S</a:t>
             </a:r>
@@ -6492,6 +6623,7 @@
                 <a:solidFill>
                   <a:schemeClr val="tx1"/>
                 </a:solidFill>
+                <a:latin typeface="Arial Black" panose="020B0A04020102020204" pitchFamily="34" charset="0"/>
               </a:rPr>
               <a:t>]}</a:t>
             </a:r>
@@ -6499,6 +6631,7 @@
               <a:solidFill>
                 <a:schemeClr val="tx1"/>
               </a:solidFill>
+              <a:latin typeface="Arial Black" panose="020B0A04020102020204" pitchFamily="34" charset="0"/>
             </a:endParaRPr>
           </a:p>
         </p:txBody>
@@ -6659,7 +6792,7 @@
         <p:spPr>
           <a:xfrm>
             <a:off x="215900" y="673100"/>
-            <a:ext cx="11836400" cy="4524315"/>
+            <a:ext cx="11836400" cy="4801314"/>
           </a:xfrm>
           <a:prstGeom prst="rect">
             <a:avLst/>
@@ -6674,239 +6807,369 @@
           <a:p>
             <a:pPr algn="ctr"/>
             <a:r>
-              <a:rPr lang="en-US" sz="5400" dirty="0"/>
+              <a:rPr lang="en-US" sz="5400" dirty="0">
+                <a:latin typeface="Arial Black" panose="020B0A04020102020204" pitchFamily="34" charset="0"/>
+              </a:rPr>
               <a:t>Description of the </a:t>
             </a:r>
             <a:r>
-              <a:rPr lang="en-US" sz="5400" dirty="0" smtClean="0"/>
+              <a:rPr lang="en-US" sz="5400" dirty="0" smtClean="0">
+                <a:latin typeface="Arial Black" panose="020B0A04020102020204" pitchFamily="34" charset="0"/>
+              </a:rPr>
               <a:t>methods:</a:t>
             </a:r>
           </a:p>
           <a:p>
             <a:pPr algn="ctr"/>
-            <a:endParaRPr lang="ru-RU" dirty="0" smtClean="0"/>
-          </a:p>
-          <a:p>
-            <a:endParaRPr lang="en-US" dirty="0"/>
-          </a:p>
-          <a:p>
-            <a:r>
-              <a:rPr lang="en-US" dirty="0" smtClean="0"/>
+            <a:endParaRPr lang="ru-RU" dirty="0" smtClean="0">
+              <a:latin typeface="Arial Black" panose="020B0A04020102020204" pitchFamily="34" charset="0"/>
+            </a:endParaRPr>
+          </a:p>
+          <a:p>
+            <a:endParaRPr lang="en-US" dirty="0">
+              <a:latin typeface="Arial Black" panose="020B0A04020102020204" pitchFamily="34" charset="0"/>
+            </a:endParaRPr>
+          </a:p>
+          <a:p>
+            <a:r>
+              <a:rPr lang="en-US" dirty="0" smtClean="0">
+                <a:latin typeface="Arial Black" panose="020B0A04020102020204" pitchFamily="34" charset="0"/>
+              </a:rPr>
               <a:t>public </a:t>
             </a:r>
             <a:r>
-              <a:rPr lang="en-US" dirty="0"/>
+              <a:rPr lang="en-US" dirty="0">
+                <a:latin typeface="Arial Black" panose="020B0A04020102020204" pitchFamily="34" charset="0"/>
+              </a:rPr>
               <a:t>static </a:t>
             </a:r>
             <a:r>
-              <a:rPr lang="en-US" dirty="0" err="1"/>
+              <a:rPr lang="en-US" dirty="0" err="1">
+                <a:latin typeface="Arial Black" panose="020B0A04020102020204" pitchFamily="34" charset="0"/>
+              </a:rPr>
               <a:t>boolean</a:t>
             </a:r>
             <a:r>
-              <a:rPr lang="en-US" dirty="0"/>
+              <a:rPr lang="en-US" dirty="0">
+                <a:latin typeface="Arial Black" panose="020B0A04020102020204" pitchFamily="34" charset="0"/>
+              </a:rPr>
               <a:t> </a:t>
             </a:r>
             <a:r>
-              <a:rPr lang="en-US" dirty="0" err="1"/>
+              <a:rPr lang="en-US" dirty="0" err="1">
+                <a:latin typeface="Arial Black" panose="020B0A04020102020204" pitchFamily="34" charset="0"/>
+              </a:rPr>
               <a:t>isAnagram</a:t>
             </a:r>
             <a:r>
-              <a:rPr lang="en-US" dirty="0"/>
+              <a:rPr lang="en-US" dirty="0">
+                <a:latin typeface="Arial Black" panose="020B0A04020102020204" pitchFamily="34" charset="0"/>
+              </a:rPr>
               <a:t>(String str1, String str2</a:t>
             </a:r>
             <a:r>
-              <a:rPr lang="en-US" dirty="0" smtClean="0"/>
+              <a:rPr lang="en-US" dirty="0" smtClean="0">
+                <a:latin typeface="Arial Black" panose="020B0A04020102020204" pitchFamily="34" charset="0"/>
+              </a:rPr>
               <a:t>)</a:t>
             </a:r>
             <a:r>
-              <a:rPr lang="uk-UA" dirty="0" smtClean="0"/>
+              <a:rPr lang="uk-UA" dirty="0" smtClean="0">
+                <a:latin typeface="Arial Black" panose="020B0A04020102020204" pitchFamily="34" charset="0"/>
+              </a:rPr>
               <a:t> –</a:t>
             </a:r>
           </a:p>
           <a:p>
             <a:r>
-              <a:rPr lang="uk-UA" dirty="0"/>
+              <a:rPr lang="uk-UA" dirty="0">
+                <a:latin typeface="Arial Black" panose="020B0A04020102020204" pitchFamily="34" charset="0"/>
+              </a:rPr>
               <a:t>	</a:t>
             </a:r>
             <a:r>
-              <a:rPr lang="en-US" dirty="0"/>
+              <a:rPr lang="en-US" dirty="0">
+                <a:latin typeface="Arial Black" panose="020B0A04020102020204" pitchFamily="34" charset="0"/>
+              </a:rPr>
               <a:t>checks whether two strings are </a:t>
             </a:r>
             <a:r>
-              <a:rPr lang="en-US" dirty="0" smtClean="0"/>
+              <a:rPr lang="en-US" dirty="0" smtClean="0">
+                <a:latin typeface="Arial Black" panose="020B0A04020102020204" pitchFamily="34" charset="0"/>
+              </a:rPr>
               <a:t>anagrams.</a:t>
             </a:r>
-            <a:endParaRPr lang="ru-RU" dirty="0" smtClean="0"/>
-          </a:p>
-          <a:p>
-            <a:endParaRPr lang="uk-UA" dirty="0" smtClean="0"/>
-          </a:p>
-          <a:p>
-            <a:r>
-              <a:rPr lang="en-US" dirty="0"/>
+            <a:endParaRPr lang="ru-RU" dirty="0" smtClean="0">
+              <a:latin typeface="Arial Black" panose="020B0A04020102020204" pitchFamily="34" charset="0"/>
+            </a:endParaRPr>
+          </a:p>
+          <a:p>
+            <a:endParaRPr lang="uk-UA" dirty="0" smtClean="0">
+              <a:latin typeface="Arial Black" panose="020B0A04020102020204" pitchFamily="34" charset="0"/>
+            </a:endParaRPr>
+          </a:p>
+          <a:p>
+            <a:r>
+              <a:rPr lang="en-US" dirty="0">
+                <a:latin typeface="Arial Black" panose="020B0A04020102020204" pitchFamily="34" charset="0"/>
+              </a:rPr>
               <a:t>public static </a:t>
             </a:r>
             <a:r>
-              <a:rPr lang="en-US" dirty="0" smtClean="0"/>
+              <a:rPr lang="en-US" dirty="0" smtClean="0">
+                <a:latin typeface="Arial Black" panose="020B0A04020102020204" pitchFamily="34" charset="0"/>
+              </a:rPr>
               <a:t>List&lt;String</a:t>
             </a:r>
             <a:r>
-              <a:rPr lang="en-US" dirty="0"/>
+              <a:rPr lang="en-US" dirty="0">
+                <a:latin typeface="Arial Black" panose="020B0A04020102020204" pitchFamily="34" charset="0"/>
+              </a:rPr>
               <a:t>&gt; </a:t>
             </a:r>
             <a:r>
-              <a:rPr lang="en-US" dirty="0" err="1"/>
+              <a:rPr lang="en-US" dirty="0" err="1" smtClean="0">
+                <a:latin typeface="Arial Black" panose="020B0A04020102020204" pitchFamily="34" charset="0"/>
+              </a:rPr>
               <a:t>getAnagramsFromList</a:t>
             </a:r>
             <a:r>
-              <a:rPr lang="en-US" dirty="0"/>
-              <a:t>(Collection&lt;String&gt; words</a:t>
-            </a:r>
-            <a:r>
-              <a:rPr lang="en-US" dirty="0" smtClean="0"/>
+              <a:rPr lang="en-US" dirty="0" smtClean="0">
+                <a:latin typeface="Arial Black" panose="020B0A04020102020204" pitchFamily="34" charset="0"/>
+              </a:rPr>
+              <a:t>(List&lt;String&gt; </a:t>
+            </a:r>
+            <a:r>
+              <a:rPr lang="en-US" dirty="0">
+                <a:latin typeface="Arial Black" panose="020B0A04020102020204" pitchFamily="34" charset="0"/>
+              </a:rPr>
+              <a:t>words</a:t>
+            </a:r>
+            <a:r>
+              <a:rPr lang="en-US" dirty="0" smtClean="0">
+                <a:latin typeface="Arial Black" panose="020B0A04020102020204" pitchFamily="34" charset="0"/>
+              </a:rPr>
               <a:t>)</a:t>
             </a:r>
             <a:r>
-              <a:rPr lang="uk-UA" dirty="0" smtClean="0"/>
+              <a:rPr lang="uk-UA" dirty="0" smtClean="0">
+                <a:latin typeface="Arial Black" panose="020B0A04020102020204" pitchFamily="34" charset="0"/>
+              </a:rPr>
               <a:t> – </a:t>
             </a:r>
           </a:p>
           <a:p>
             <a:r>
-              <a:rPr lang="uk-UA" dirty="0"/>
+              <a:rPr lang="uk-UA" dirty="0">
+                <a:latin typeface="Arial Black" panose="020B0A04020102020204" pitchFamily="34" charset="0"/>
+              </a:rPr>
               <a:t>	</a:t>
             </a:r>
             <a:r>
-              <a:rPr lang="en-US" dirty="0" smtClean="0"/>
+              <a:rPr lang="en-US" dirty="0" smtClean="0">
+                <a:latin typeface="Arial Black" panose="020B0A04020102020204" pitchFamily="34" charset="0"/>
+              </a:rPr>
               <a:t>Seeking </a:t>
             </a:r>
             <a:r>
-              <a:rPr lang="en-US" dirty="0"/>
+              <a:rPr lang="en-US" dirty="0">
+                <a:latin typeface="Arial Black" panose="020B0A04020102020204" pitchFamily="34" charset="0"/>
+              </a:rPr>
               <a:t>anagrams in the collection </a:t>
             </a:r>
             <a:r>
-              <a:rPr lang="en-US" dirty="0" smtClean="0"/>
+              <a:rPr lang="en-US" dirty="0" smtClean="0">
+                <a:latin typeface="Arial Black" panose="020B0A04020102020204" pitchFamily="34" charset="0"/>
+              </a:rPr>
               <a:t>of words, </a:t>
             </a:r>
             <a:r>
-              <a:rPr lang="en-US" dirty="0"/>
+              <a:rPr lang="en-US" dirty="0">
+                <a:latin typeface="Arial Black" panose="020B0A04020102020204" pitchFamily="34" charset="0"/>
+              </a:rPr>
               <a:t>and returns them in the </a:t>
             </a:r>
             <a:r>
-              <a:rPr lang="en-US" dirty="0" smtClean="0"/>
+              <a:rPr lang="en-US" dirty="0" smtClean="0">
+                <a:latin typeface="Arial Black" panose="020B0A04020102020204" pitchFamily="34" charset="0"/>
+              </a:rPr>
               <a:t>collection </a:t>
             </a:r>
             <a:r>
-              <a:rPr lang="en-US" dirty="0"/>
+              <a:rPr lang="en-US" dirty="0">
+                <a:latin typeface="Arial Black" panose="020B0A04020102020204" pitchFamily="34" charset="0"/>
+              </a:rPr>
               <a:t>of </a:t>
             </a:r>
             <a:r>
-              <a:rPr lang="en-US" dirty="0" smtClean="0"/>
+              <a:rPr lang="en-US" dirty="0" smtClean="0">
+                <a:latin typeface="Arial Black" panose="020B0A04020102020204" pitchFamily="34" charset="0"/>
+              </a:rPr>
               <a:t>String </a:t>
             </a:r>
             <a:r>
-              <a:rPr lang="ru-RU" dirty="0" smtClean="0"/>
+              <a:rPr lang="ru-RU" dirty="0" smtClean="0">
+                <a:latin typeface="Arial Black" panose="020B0A04020102020204" pitchFamily="34" charset="0"/>
+              </a:rPr>
               <a:t>:</a:t>
             </a:r>
           </a:p>
           <a:p>
             <a:r>
-              <a:rPr lang="ru-RU" dirty="0"/>
+              <a:rPr lang="ru-RU" dirty="0">
+                <a:latin typeface="Arial Black" panose="020B0A04020102020204" pitchFamily="34" charset="0"/>
+              </a:rPr>
               <a:t>	</a:t>
             </a:r>
             <a:r>
-              <a:rPr lang="ru-RU" i="1" dirty="0" smtClean="0"/>
+              <a:rPr lang="ru-RU" i="1" dirty="0" smtClean="0">
+                <a:latin typeface="Arial Black" panose="020B0A04020102020204" pitchFamily="34" charset="0"/>
+              </a:rPr>
               <a:t>«</a:t>
             </a:r>
             <a:r>
-              <a:rPr lang="en-US" i="1" dirty="0" smtClean="0"/>
+              <a:rPr lang="en-US" i="1" dirty="0" smtClean="0">
+                <a:latin typeface="Arial Black" panose="020B0A04020102020204" pitchFamily="34" charset="0"/>
+              </a:rPr>
               <a:t>Andrew, warned, wander</a:t>
             </a:r>
             <a:r>
-              <a:rPr lang="ru-RU" i="1" dirty="0" smtClean="0"/>
+              <a:rPr lang="ru-RU" i="1" dirty="0" smtClean="0">
+                <a:latin typeface="Arial Black" panose="020B0A04020102020204" pitchFamily="34" charset="0"/>
+              </a:rPr>
               <a:t>»</a:t>
             </a:r>
-            <a:endParaRPr lang="en-US" i="1" dirty="0" smtClean="0"/>
-          </a:p>
-          <a:p>
-            <a:r>
-              <a:rPr lang="en-US" i="1" dirty="0"/>
+            <a:endParaRPr lang="en-US" i="1" dirty="0" smtClean="0">
+              <a:latin typeface="Arial Black" panose="020B0A04020102020204" pitchFamily="34" charset="0"/>
+            </a:endParaRPr>
+          </a:p>
+          <a:p>
+            <a:r>
+              <a:rPr lang="en-US" i="1" dirty="0">
+                <a:latin typeface="Arial Black" panose="020B0A04020102020204" pitchFamily="34" charset="0"/>
+              </a:rPr>
               <a:t>	</a:t>
             </a:r>
             <a:r>
-              <a:rPr lang="ru-RU" i="1" dirty="0" smtClean="0"/>
+              <a:rPr lang="ru-RU" i="1" dirty="0" smtClean="0">
+                <a:latin typeface="Arial Black" panose="020B0A04020102020204" pitchFamily="34" charset="0"/>
+              </a:rPr>
               <a:t>«</a:t>
             </a:r>
             <a:r>
-              <a:rPr lang="en-US" i="1" dirty="0" smtClean="0"/>
+              <a:rPr lang="en-US" i="1" dirty="0" smtClean="0">
+                <a:latin typeface="Arial Black" panose="020B0A04020102020204" pitchFamily="34" charset="0"/>
+              </a:rPr>
               <a:t>Later</a:t>
             </a:r>
             <a:r>
-              <a:rPr lang="en-US" i="1" dirty="0"/>
+              <a:rPr lang="en-US" i="1" dirty="0">
+                <a:latin typeface="Arial Black" panose="020B0A04020102020204" pitchFamily="34" charset="0"/>
+              </a:rPr>
               <a:t>, </a:t>
             </a:r>
             <a:r>
-              <a:rPr lang="en-US" i="1" dirty="0" smtClean="0"/>
+              <a:rPr lang="en-US" i="1" dirty="0" smtClean="0">
+                <a:latin typeface="Arial Black" panose="020B0A04020102020204" pitchFamily="34" charset="0"/>
+              </a:rPr>
               <a:t>Alert</a:t>
             </a:r>
             <a:r>
-              <a:rPr lang="ru-RU" i="1" dirty="0" smtClean="0"/>
+              <a:rPr lang="ru-RU" i="1" dirty="0" smtClean="0">
+                <a:latin typeface="Arial Black" panose="020B0A04020102020204" pitchFamily="34" charset="0"/>
+              </a:rPr>
               <a:t>»</a:t>
             </a:r>
-            <a:endParaRPr lang="en-US" i="1" dirty="0"/>
-          </a:p>
-          <a:p>
-            <a:endParaRPr lang="en-US" dirty="0" smtClean="0"/>
-          </a:p>
-          <a:p>
-            <a:endParaRPr lang="en-US" dirty="0" smtClean="0"/>
-          </a:p>
-          <a:p>
-            <a:r>
-              <a:rPr lang="en-US" dirty="0" smtClean="0"/>
+            <a:endParaRPr lang="en-US" i="1" dirty="0">
+              <a:latin typeface="Arial Black" panose="020B0A04020102020204" pitchFamily="34" charset="0"/>
+            </a:endParaRPr>
+          </a:p>
+          <a:p>
+            <a:endParaRPr lang="en-US" dirty="0" smtClean="0">
+              <a:latin typeface="Arial Black" panose="020B0A04020102020204" pitchFamily="34" charset="0"/>
+            </a:endParaRPr>
+          </a:p>
+          <a:p>
+            <a:endParaRPr lang="en-US" dirty="0" smtClean="0">
+              <a:latin typeface="Arial Black" panose="020B0A04020102020204" pitchFamily="34" charset="0"/>
+            </a:endParaRPr>
+          </a:p>
+          <a:p>
+            <a:r>
+              <a:rPr lang="en-US" dirty="0" smtClean="0">
+                <a:latin typeface="Arial Black" panose="020B0A04020102020204" pitchFamily="34" charset="0"/>
+              </a:rPr>
               <a:t>public </a:t>
             </a:r>
             <a:r>
-              <a:rPr lang="en-US" dirty="0"/>
+              <a:rPr lang="en-US" dirty="0">
+                <a:latin typeface="Arial Black" panose="020B0A04020102020204" pitchFamily="34" charset="0"/>
+              </a:rPr>
               <a:t>static String </a:t>
             </a:r>
             <a:r>
-              <a:rPr lang="en-US" dirty="0" err="1"/>
+              <a:rPr lang="en-US" dirty="0" err="1" smtClean="0">
+                <a:latin typeface="Arial Black" panose="020B0A04020102020204" pitchFamily="34" charset="0"/>
+              </a:rPr>
               <a:t>getAnagramInList</a:t>
             </a:r>
             <a:r>
-              <a:rPr lang="en-US" dirty="0"/>
-              <a:t>(Collection&lt;String&gt; </a:t>
-            </a:r>
-            <a:r>
-              <a:rPr lang="en-US" dirty="0" err="1"/>
+              <a:rPr lang="en-US" dirty="0" smtClean="0">
+                <a:latin typeface="Arial Black" panose="020B0A04020102020204" pitchFamily="34" charset="0"/>
+              </a:rPr>
+              <a:t>(List&lt;String</a:t>
+            </a:r>
+            <a:r>
+              <a:rPr lang="en-US" dirty="0">
+                <a:latin typeface="Arial Black" panose="020B0A04020102020204" pitchFamily="34" charset="0"/>
+              </a:rPr>
+              <a:t>&gt; </a:t>
+            </a:r>
+            <a:r>
+              <a:rPr lang="en-US" dirty="0" err="1">
+                <a:latin typeface="Arial Black" panose="020B0A04020102020204" pitchFamily="34" charset="0"/>
+              </a:rPr>
               <a:t>wordsList</a:t>
             </a:r>
             <a:r>
-              <a:rPr lang="en-US" dirty="0"/>
+              <a:rPr lang="en-US" dirty="0">
+                <a:latin typeface="Arial Black" panose="020B0A04020102020204" pitchFamily="34" charset="0"/>
+              </a:rPr>
               <a:t>, String word</a:t>
             </a:r>
             <a:r>
-              <a:rPr lang="en-US" dirty="0" smtClean="0"/>
+              <a:rPr lang="en-US" dirty="0" smtClean="0">
+                <a:latin typeface="Arial Black" panose="020B0A04020102020204" pitchFamily="34" charset="0"/>
+              </a:rPr>
               <a:t>)</a:t>
             </a:r>
             <a:r>
-              <a:rPr lang="uk-UA" dirty="0" smtClean="0"/>
+              <a:rPr lang="uk-UA" dirty="0" smtClean="0">
+                <a:latin typeface="Arial Black" panose="020B0A04020102020204" pitchFamily="34" charset="0"/>
+              </a:rPr>
               <a:t> </a:t>
             </a:r>
-            <a:endParaRPr lang="en-US" dirty="0" smtClean="0"/>
-          </a:p>
-          <a:p>
-            <a:r>
-              <a:rPr lang="en-US" dirty="0" smtClean="0"/>
+            <a:endParaRPr lang="en-US" dirty="0" smtClean="0">
+              <a:latin typeface="Arial Black" panose="020B0A04020102020204" pitchFamily="34" charset="0"/>
+            </a:endParaRPr>
+          </a:p>
+          <a:p>
+            <a:r>
+              <a:rPr lang="en-US" dirty="0" smtClean="0">
+                <a:latin typeface="Arial Black" panose="020B0A04020102020204" pitchFamily="34" charset="0"/>
+              </a:rPr>
               <a:t>	Seeking </a:t>
             </a:r>
             <a:r>
-              <a:rPr lang="en-US" dirty="0"/>
+              <a:rPr lang="en-US" dirty="0">
+                <a:latin typeface="Arial Black" panose="020B0A04020102020204" pitchFamily="34" charset="0"/>
+              </a:rPr>
               <a:t>anagram to a specific word in the collection and returns the first </a:t>
             </a:r>
             <a:r>
-              <a:rPr lang="en-US" dirty="0" smtClean="0"/>
+              <a:rPr lang="en-US" dirty="0" smtClean="0">
+                <a:latin typeface="Arial Black" panose="020B0A04020102020204" pitchFamily="34" charset="0"/>
+              </a:rPr>
               <a:t>found.</a:t>
             </a:r>
           </a:p>
